--- a/Theory Class-Notes/Complete Syllabus/Module-2 Inheritance.pptx
+++ b/Theory Class-Notes/Complete Syllabus/Module-2 Inheritance.pptx
@@ -5,7 +5,7 @@
     <p:sldMasterId id="2147483648" r:id="rId1"/>
   </p:sldMasterIdLst>
   <p:notesMasterIdLst>
-    <p:notesMasterId r:id="rId67"/>
+    <p:notesMasterId r:id="rId61"/>
   </p:notesMasterIdLst>
   <p:sldIdLst>
     <p:sldId id="401" r:id="rId2"/>
@@ -67,12 +67,6 @@
     <p:sldId id="449" r:id="rId58"/>
     <p:sldId id="454" r:id="rId59"/>
     <p:sldId id="423" r:id="rId60"/>
-    <p:sldId id="459" r:id="rId61"/>
-    <p:sldId id="460" r:id="rId62"/>
-    <p:sldId id="461" r:id="rId63"/>
-    <p:sldId id="462" r:id="rId64"/>
-    <p:sldId id="457" r:id="rId65"/>
-    <p:sldId id="458" r:id="rId66"/>
   </p:sldIdLst>
   <p:sldSz cx="12192000" cy="6858000"/>
   <p:notesSz cx="6858000" cy="9144000"/>
@@ -4694,7 +4688,15 @@
             </a:r>
             <a:r>
               <a:rPr lang="en-US" sz="3200" dirty="0"/>
-              <a:t> Keyword:</a:t>
+              <a:t> Keyword: </a:t>
+            </a:r>
+            <a:r>
+              <a:rPr lang="en-US" dirty="0"/>
+              <a:t>In Java, the keyword final is used to declare constants, restrict inheritance, and prevent method overriding or reassignment. It can be applied to variables, methods, and classes, each serving a specific purpose</a:t>
+            </a:r>
+            <a:r>
+              <a:rPr lang="en-US" sz="3200" dirty="0"/>
+              <a:t>.</a:t>
             </a:r>
           </a:p>
           <a:p>
@@ -4731,7 +4733,7 @@
         </p:nvGrpSpPr>
         <p:grpSpPr>
           <a:xfrm>
-            <a:off x="1762258" y="1248436"/>
+            <a:off x="2502487" y="1868922"/>
             <a:ext cx="7663191" cy="4361127"/>
             <a:chOff x="1015006" y="1268363"/>
             <a:chExt cx="7663191" cy="4361127"/>
@@ -8162,7 +8164,7 @@
         </p:blipFill>
         <p:spPr>
           <a:xfrm>
-            <a:off x="0" y="-18245"/>
+            <a:off x="0" y="3527"/>
             <a:ext cx="12268200" cy="7028645"/>
           </a:xfrm>
           <a:prstGeom prst="rect">
@@ -13874,8 +13876,12 @@
               <a:buNone/>
             </a:pPr>
             <a:r>
-              <a:rPr lang="en-US" dirty="0"/>
-              <a:t>Example:</a:t>
+              <a:rPr lang="en-US" b="1" dirty="0"/>
+              <a:t>Example</a:t>
+            </a:r>
+            <a:r>
+              <a:rPr lang="en-US" dirty="0"/>
+              <a:t>:</a:t>
             </a:r>
           </a:p>
           <a:p>
@@ -14484,384 +14490,6 @@
     <p:extLst>
       <p:ext uri="{BB962C8B-B14F-4D97-AF65-F5344CB8AC3E}">
         <p14:creationId xmlns:p14="http://schemas.microsoft.com/office/powerpoint/2010/main" val="2926121907"/>
-      </p:ext>
-    </p:extLst>
-  </p:cSld>
-  <p:clrMapOvr>
-    <a:masterClrMapping/>
-  </p:clrMapOvr>
-</p:sld>
-</file>
-
-<file path=ppt/slides/slide60.xml><?xml version="1.0" encoding="utf-8"?>
-<p:sld xmlns:a="http://schemas.openxmlformats.org/drawingml/2006/main" xmlns:r="http://schemas.openxmlformats.org/officeDocument/2006/relationships" xmlns:p="http://schemas.openxmlformats.org/presentationml/2006/main">
-  <p:cSld>
-    <p:spTree>
-      <p:nvGrpSpPr>
-        <p:cNvPr id="1" name=""/>
-        <p:cNvGrpSpPr/>
-        <p:nvPr/>
-      </p:nvGrpSpPr>
-      <p:grpSpPr>
-        <a:xfrm>
-          <a:off x="0" y="0"/>
-          <a:ext cx="0" cy="0"/>
-          <a:chOff x="0" y="0"/>
-          <a:chExt cx="0" cy="0"/>
-        </a:xfrm>
-      </p:grpSpPr>
-      <p:sp>
-        <p:nvSpPr>
-          <p:cNvPr id="3" name="Content Placeholder 2">
-            <a:extLst>
-              <a:ext uri="{FF2B5EF4-FFF2-40B4-BE49-F238E27FC236}">
-                <a16:creationId xmlns:a16="http://schemas.microsoft.com/office/drawing/2014/main" id="{E42FB284-DAF2-8CB9-9090-285BF2A5822E}"/>
-              </a:ext>
-            </a:extLst>
-          </p:cNvPr>
-          <p:cNvSpPr>
-            <a:spLocks noGrp="1"/>
-          </p:cNvSpPr>
-          <p:nvPr>
-            <p:ph idx="1"/>
-          </p:nvPr>
-        </p:nvSpPr>
-        <p:spPr>
-          <a:xfrm>
-            <a:off x="631722" y="508102"/>
-            <a:ext cx="10803193" cy="5646891"/>
-          </a:xfrm>
-        </p:spPr>
-        <p:txBody>
-          <a:bodyPr/>
-          <a:lstStyle/>
-          <a:p>
-            <a:pPr marL="0" indent="0">
-              <a:buNone/>
-            </a:pPr>
-            <a:endParaRPr lang="en-IN" dirty="0"/>
-          </a:p>
-        </p:txBody>
-      </p:sp>
-    </p:spTree>
-    <p:extLst>
-      <p:ext uri="{BB962C8B-B14F-4D97-AF65-F5344CB8AC3E}">
-        <p14:creationId xmlns:p14="http://schemas.microsoft.com/office/powerpoint/2010/main" val="3438645297"/>
-      </p:ext>
-    </p:extLst>
-  </p:cSld>
-  <p:clrMapOvr>
-    <a:masterClrMapping/>
-  </p:clrMapOvr>
-</p:sld>
-</file>
-
-<file path=ppt/slides/slide61.xml><?xml version="1.0" encoding="utf-8"?>
-<p:sld xmlns:a="http://schemas.openxmlformats.org/drawingml/2006/main" xmlns:r="http://schemas.openxmlformats.org/officeDocument/2006/relationships" xmlns:p="http://schemas.openxmlformats.org/presentationml/2006/main">
-  <p:cSld>
-    <p:spTree>
-      <p:nvGrpSpPr>
-        <p:cNvPr id="1" name=""/>
-        <p:cNvGrpSpPr/>
-        <p:nvPr/>
-      </p:nvGrpSpPr>
-      <p:grpSpPr>
-        <a:xfrm>
-          <a:off x="0" y="0"/>
-          <a:ext cx="0" cy="0"/>
-          <a:chOff x="0" y="0"/>
-          <a:chExt cx="0" cy="0"/>
-        </a:xfrm>
-      </p:grpSpPr>
-      <p:sp>
-        <p:nvSpPr>
-          <p:cNvPr id="3" name="Content Placeholder 2">
-            <a:extLst>
-              <a:ext uri="{FF2B5EF4-FFF2-40B4-BE49-F238E27FC236}">
-                <a16:creationId xmlns:a16="http://schemas.microsoft.com/office/drawing/2014/main" id="{E42FB284-DAF2-8CB9-9090-285BF2A5822E}"/>
-              </a:ext>
-            </a:extLst>
-          </p:cNvPr>
-          <p:cNvSpPr>
-            <a:spLocks noGrp="1"/>
-          </p:cNvSpPr>
-          <p:nvPr>
-            <p:ph idx="1"/>
-          </p:nvPr>
-        </p:nvSpPr>
-        <p:spPr>
-          <a:xfrm>
-            <a:off x="631722" y="508102"/>
-            <a:ext cx="10803193" cy="5646891"/>
-          </a:xfrm>
-        </p:spPr>
-        <p:txBody>
-          <a:bodyPr/>
-          <a:lstStyle/>
-          <a:p>
-            <a:pPr marL="0" indent="0">
-              <a:buNone/>
-            </a:pPr>
-            <a:endParaRPr lang="en-IN" dirty="0"/>
-          </a:p>
-        </p:txBody>
-      </p:sp>
-    </p:spTree>
-    <p:extLst>
-      <p:ext uri="{BB962C8B-B14F-4D97-AF65-F5344CB8AC3E}">
-        <p14:creationId xmlns:p14="http://schemas.microsoft.com/office/powerpoint/2010/main" val="2129214279"/>
-      </p:ext>
-    </p:extLst>
-  </p:cSld>
-  <p:clrMapOvr>
-    <a:masterClrMapping/>
-  </p:clrMapOvr>
-</p:sld>
-</file>
-
-<file path=ppt/slides/slide62.xml><?xml version="1.0" encoding="utf-8"?>
-<p:sld xmlns:a="http://schemas.openxmlformats.org/drawingml/2006/main" xmlns:r="http://schemas.openxmlformats.org/officeDocument/2006/relationships" xmlns:p="http://schemas.openxmlformats.org/presentationml/2006/main">
-  <p:cSld>
-    <p:spTree>
-      <p:nvGrpSpPr>
-        <p:cNvPr id="1" name=""/>
-        <p:cNvGrpSpPr/>
-        <p:nvPr/>
-      </p:nvGrpSpPr>
-      <p:grpSpPr>
-        <a:xfrm>
-          <a:off x="0" y="0"/>
-          <a:ext cx="0" cy="0"/>
-          <a:chOff x="0" y="0"/>
-          <a:chExt cx="0" cy="0"/>
-        </a:xfrm>
-      </p:grpSpPr>
-      <p:sp>
-        <p:nvSpPr>
-          <p:cNvPr id="3" name="Content Placeholder 2">
-            <a:extLst>
-              <a:ext uri="{FF2B5EF4-FFF2-40B4-BE49-F238E27FC236}">
-                <a16:creationId xmlns:a16="http://schemas.microsoft.com/office/drawing/2014/main" id="{E42FB284-DAF2-8CB9-9090-285BF2A5822E}"/>
-              </a:ext>
-            </a:extLst>
-          </p:cNvPr>
-          <p:cNvSpPr>
-            <a:spLocks noGrp="1"/>
-          </p:cNvSpPr>
-          <p:nvPr>
-            <p:ph idx="1"/>
-          </p:nvPr>
-        </p:nvSpPr>
-        <p:spPr>
-          <a:xfrm>
-            <a:off x="631722" y="508102"/>
-            <a:ext cx="10803193" cy="5646891"/>
-          </a:xfrm>
-        </p:spPr>
-        <p:txBody>
-          <a:bodyPr/>
-          <a:lstStyle/>
-          <a:p>
-            <a:pPr marL="0" indent="0">
-              <a:buNone/>
-            </a:pPr>
-            <a:endParaRPr lang="en-IN" dirty="0"/>
-          </a:p>
-        </p:txBody>
-      </p:sp>
-    </p:spTree>
-    <p:extLst>
-      <p:ext uri="{BB962C8B-B14F-4D97-AF65-F5344CB8AC3E}">
-        <p14:creationId xmlns:p14="http://schemas.microsoft.com/office/powerpoint/2010/main" val="3100439965"/>
-      </p:ext>
-    </p:extLst>
-  </p:cSld>
-  <p:clrMapOvr>
-    <a:masterClrMapping/>
-  </p:clrMapOvr>
-</p:sld>
-</file>
-
-<file path=ppt/slides/slide63.xml><?xml version="1.0" encoding="utf-8"?>
-<p:sld xmlns:a="http://schemas.openxmlformats.org/drawingml/2006/main" xmlns:r="http://schemas.openxmlformats.org/officeDocument/2006/relationships" xmlns:p="http://schemas.openxmlformats.org/presentationml/2006/main">
-  <p:cSld>
-    <p:spTree>
-      <p:nvGrpSpPr>
-        <p:cNvPr id="1" name=""/>
-        <p:cNvGrpSpPr/>
-        <p:nvPr/>
-      </p:nvGrpSpPr>
-      <p:grpSpPr>
-        <a:xfrm>
-          <a:off x="0" y="0"/>
-          <a:ext cx="0" cy="0"/>
-          <a:chOff x="0" y="0"/>
-          <a:chExt cx="0" cy="0"/>
-        </a:xfrm>
-      </p:grpSpPr>
-      <p:sp>
-        <p:nvSpPr>
-          <p:cNvPr id="3" name="Content Placeholder 2">
-            <a:extLst>
-              <a:ext uri="{FF2B5EF4-FFF2-40B4-BE49-F238E27FC236}">
-                <a16:creationId xmlns:a16="http://schemas.microsoft.com/office/drawing/2014/main" id="{E42FB284-DAF2-8CB9-9090-285BF2A5822E}"/>
-              </a:ext>
-            </a:extLst>
-          </p:cNvPr>
-          <p:cNvSpPr>
-            <a:spLocks noGrp="1"/>
-          </p:cNvSpPr>
-          <p:nvPr>
-            <p:ph idx="1"/>
-          </p:nvPr>
-        </p:nvSpPr>
-        <p:spPr>
-          <a:xfrm>
-            <a:off x="631722" y="508102"/>
-            <a:ext cx="10803193" cy="5646891"/>
-          </a:xfrm>
-        </p:spPr>
-        <p:txBody>
-          <a:bodyPr/>
-          <a:lstStyle/>
-          <a:p>
-            <a:pPr marL="0" indent="0">
-              <a:buNone/>
-            </a:pPr>
-            <a:endParaRPr lang="en-IN" dirty="0"/>
-          </a:p>
-        </p:txBody>
-      </p:sp>
-    </p:spTree>
-    <p:extLst>
-      <p:ext uri="{BB962C8B-B14F-4D97-AF65-F5344CB8AC3E}">
-        <p14:creationId xmlns:p14="http://schemas.microsoft.com/office/powerpoint/2010/main" val="4054958705"/>
-      </p:ext>
-    </p:extLst>
-  </p:cSld>
-  <p:clrMapOvr>
-    <a:masterClrMapping/>
-  </p:clrMapOvr>
-</p:sld>
-</file>
-
-<file path=ppt/slides/slide64.xml><?xml version="1.0" encoding="utf-8"?>
-<p:sld xmlns:a="http://schemas.openxmlformats.org/drawingml/2006/main" xmlns:r="http://schemas.openxmlformats.org/officeDocument/2006/relationships" xmlns:p="http://schemas.openxmlformats.org/presentationml/2006/main">
-  <p:cSld>
-    <p:spTree>
-      <p:nvGrpSpPr>
-        <p:cNvPr id="1" name=""/>
-        <p:cNvGrpSpPr/>
-        <p:nvPr/>
-      </p:nvGrpSpPr>
-      <p:grpSpPr>
-        <a:xfrm>
-          <a:off x="0" y="0"/>
-          <a:ext cx="0" cy="0"/>
-          <a:chOff x="0" y="0"/>
-          <a:chExt cx="0" cy="0"/>
-        </a:xfrm>
-      </p:grpSpPr>
-      <p:sp>
-        <p:nvSpPr>
-          <p:cNvPr id="3" name="Content Placeholder 2">
-            <a:extLst>
-              <a:ext uri="{FF2B5EF4-FFF2-40B4-BE49-F238E27FC236}">
-                <a16:creationId xmlns:a16="http://schemas.microsoft.com/office/drawing/2014/main" id="{E42FB284-DAF2-8CB9-9090-285BF2A5822E}"/>
-              </a:ext>
-            </a:extLst>
-          </p:cNvPr>
-          <p:cNvSpPr>
-            <a:spLocks noGrp="1"/>
-          </p:cNvSpPr>
-          <p:nvPr>
-            <p:ph idx="1"/>
-          </p:nvPr>
-        </p:nvSpPr>
-        <p:spPr>
-          <a:xfrm>
-            <a:off x="631722" y="508102"/>
-            <a:ext cx="10803193" cy="5646891"/>
-          </a:xfrm>
-        </p:spPr>
-        <p:txBody>
-          <a:bodyPr/>
-          <a:lstStyle/>
-          <a:p>
-            <a:pPr marL="0" indent="0">
-              <a:buNone/>
-            </a:pPr>
-            <a:endParaRPr lang="en-IN" dirty="0"/>
-          </a:p>
-        </p:txBody>
-      </p:sp>
-    </p:spTree>
-    <p:extLst>
-      <p:ext uri="{BB962C8B-B14F-4D97-AF65-F5344CB8AC3E}">
-        <p14:creationId xmlns:p14="http://schemas.microsoft.com/office/powerpoint/2010/main" val="3831553951"/>
-      </p:ext>
-    </p:extLst>
-  </p:cSld>
-  <p:clrMapOvr>
-    <a:masterClrMapping/>
-  </p:clrMapOvr>
-</p:sld>
-</file>
-
-<file path=ppt/slides/slide65.xml><?xml version="1.0" encoding="utf-8"?>
-<p:sld xmlns:a="http://schemas.openxmlformats.org/drawingml/2006/main" xmlns:r="http://schemas.openxmlformats.org/officeDocument/2006/relationships" xmlns:p="http://schemas.openxmlformats.org/presentationml/2006/main">
-  <p:cSld>
-    <p:spTree>
-      <p:nvGrpSpPr>
-        <p:cNvPr id="1" name=""/>
-        <p:cNvGrpSpPr/>
-        <p:nvPr/>
-      </p:nvGrpSpPr>
-      <p:grpSpPr>
-        <a:xfrm>
-          <a:off x="0" y="0"/>
-          <a:ext cx="0" cy="0"/>
-          <a:chOff x="0" y="0"/>
-          <a:chExt cx="0" cy="0"/>
-        </a:xfrm>
-      </p:grpSpPr>
-      <p:sp>
-        <p:nvSpPr>
-          <p:cNvPr id="3" name="Content Placeholder 2">
-            <a:extLst>
-              <a:ext uri="{FF2B5EF4-FFF2-40B4-BE49-F238E27FC236}">
-                <a16:creationId xmlns:a16="http://schemas.microsoft.com/office/drawing/2014/main" id="{E42FB284-DAF2-8CB9-9090-285BF2A5822E}"/>
-              </a:ext>
-            </a:extLst>
-          </p:cNvPr>
-          <p:cNvSpPr>
-            <a:spLocks noGrp="1"/>
-          </p:cNvSpPr>
-          <p:nvPr>
-            <p:ph idx="1"/>
-          </p:nvPr>
-        </p:nvSpPr>
-        <p:spPr>
-          <a:xfrm>
-            <a:off x="631722" y="508102"/>
-            <a:ext cx="10803193" cy="5646891"/>
-          </a:xfrm>
-        </p:spPr>
-        <p:txBody>
-          <a:bodyPr/>
-          <a:lstStyle/>
-          <a:p>
-            <a:pPr marL="0" indent="0">
-              <a:buNone/>
-            </a:pPr>
-            <a:endParaRPr lang="en-IN" dirty="0"/>
-          </a:p>
-        </p:txBody>
-      </p:sp>
-    </p:spTree>
-    <p:extLst>
-      <p:ext uri="{BB962C8B-B14F-4D97-AF65-F5344CB8AC3E}">
-        <p14:creationId xmlns:p14="http://schemas.microsoft.com/office/powerpoint/2010/main" val="2495504922"/>
       </p:ext>
     </p:extLst>
   </p:cSld>
